--- a/PPT/Python/class 7.pptx
+++ b/PPT/Python/class 7.pptx
@@ -8,14 +8,13 @@
     <p:sldId id="265" r:id="rId2"/>
     <p:sldId id="263" r:id="rId3"/>
     <p:sldId id="266" r:id="rId4"/>
-    <p:sldId id="269" r:id="rId5"/>
-    <p:sldId id="271" r:id="rId6"/>
-    <p:sldId id="270" r:id="rId7"/>
-    <p:sldId id="272" r:id="rId8"/>
-    <p:sldId id="274" r:id="rId9"/>
-    <p:sldId id="275" r:id="rId10"/>
-    <p:sldId id="273" r:id="rId11"/>
-    <p:sldId id="268" r:id="rId12"/>
+    <p:sldId id="271" r:id="rId5"/>
+    <p:sldId id="270" r:id="rId6"/>
+    <p:sldId id="272" r:id="rId7"/>
+    <p:sldId id="274" r:id="rId8"/>
+    <p:sldId id="275" r:id="rId9"/>
+    <p:sldId id="273" r:id="rId10"/>
+    <p:sldId id="268" r:id="rId11"/>
   </p:sldIdLst>
   <p:sldSz cx="9144000" cy="6858000" type="screen4x3"/>
   <p:notesSz cx="6858000" cy="9144000"/>
@@ -464,7 +463,7 @@
           <a:p>
             <a:fld id="{F2660061-179A-47E0-86E3-D8374BC4401E}" type="datetimeFigureOut">
               <a:rPr lang="en-US" smtClean="0"/>
-              <a:t>8/5/2021</a:t>
+              <a:t>10/26/2021</a:t>
             </a:fld>
             <a:endParaRPr lang="en-US"/>
           </a:p>
@@ -788,7 +787,7 @@
           <a:p>
             <a:fld id="{F2660061-179A-47E0-86E3-D8374BC4401E}" type="datetimeFigureOut">
               <a:rPr lang="en-US" smtClean="0"/>
-              <a:t>8/5/2021</a:t>
+              <a:t>10/26/2021</a:t>
             </a:fld>
             <a:endParaRPr lang="en-US"/>
           </a:p>
@@ -1036,7 +1035,7 @@
           <a:p>
             <a:fld id="{F2660061-179A-47E0-86E3-D8374BC4401E}" type="datetimeFigureOut">
               <a:rPr lang="en-US" smtClean="0"/>
-              <a:t>8/5/2021</a:t>
+              <a:t>10/26/2021</a:t>
             </a:fld>
             <a:endParaRPr lang="en-US"/>
           </a:p>
@@ -1375,7 +1374,7 @@
           <a:p>
             <a:fld id="{F2660061-179A-47E0-86E3-D8374BC4401E}" type="datetimeFigureOut">
               <a:rPr lang="en-US" smtClean="0"/>
-              <a:t>8/5/2021</a:t>
+              <a:t>10/26/2021</a:t>
             </a:fld>
             <a:endParaRPr lang="en-US"/>
           </a:p>
@@ -1722,7 +1721,7 @@
           <a:p>
             <a:fld id="{F2660061-179A-47E0-86E3-D8374BC4401E}" type="datetimeFigureOut">
               <a:rPr lang="en-US" smtClean="0"/>
-              <a:t>8/5/2021</a:t>
+              <a:t>10/26/2021</a:t>
             </a:fld>
             <a:endParaRPr lang="en-US"/>
           </a:p>
@@ -2096,7 +2095,7 @@
           <a:p>
             <a:fld id="{F2660061-179A-47E0-86E3-D8374BC4401E}" type="datetimeFigureOut">
               <a:rPr lang="en-US" smtClean="0"/>
-              <a:t>8/5/2021</a:t>
+              <a:t>10/26/2021</a:t>
             </a:fld>
             <a:endParaRPr lang="en-US"/>
           </a:p>
@@ -2566,7 +2565,7 @@
           <a:p>
             <a:fld id="{F2660061-179A-47E0-86E3-D8374BC4401E}" type="datetimeFigureOut">
               <a:rPr lang="en-US" smtClean="0"/>
-              <a:t>8/5/2021</a:t>
+              <a:t>10/26/2021</a:t>
             </a:fld>
             <a:endParaRPr lang="en-US"/>
           </a:p>
@@ -2776,7 +2775,7 @@
           <a:p>
             <a:fld id="{F2660061-179A-47E0-86E3-D8374BC4401E}" type="datetimeFigureOut">
               <a:rPr lang="en-US" smtClean="0"/>
-              <a:t>8/5/2021</a:t>
+              <a:t>10/26/2021</a:t>
             </a:fld>
             <a:endParaRPr lang="en-US"/>
           </a:p>
@@ -2987,7 +2986,7 @@
           <a:p>
             <a:fld id="{F2660061-179A-47E0-86E3-D8374BC4401E}" type="datetimeFigureOut">
               <a:rPr lang="en-US" smtClean="0"/>
-              <a:t>8/5/2021</a:t>
+              <a:t>10/26/2021</a:t>
             </a:fld>
             <a:endParaRPr lang="en-US"/>
           </a:p>
@@ -3219,7 +3218,7 @@
           <a:p>
             <a:fld id="{F2660061-179A-47E0-86E3-D8374BC4401E}" type="datetimeFigureOut">
               <a:rPr lang="en-US" smtClean="0"/>
-              <a:t>8/5/2021</a:t>
+              <a:t>10/26/2021</a:t>
             </a:fld>
             <a:endParaRPr lang="en-US"/>
           </a:p>
@@ -3467,7 +3466,7 @@
           <a:p>
             <a:fld id="{F2660061-179A-47E0-86E3-D8374BC4401E}" type="datetimeFigureOut">
               <a:rPr lang="en-US" smtClean="0"/>
-              <a:t>8/5/2021</a:t>
+              <a:t>10/26/2021</a:t>
             </a:fld>
             <a:endParaRPr lang="en-US"/>
           </a:p>
@@ -3770,7 +3769,7 @@
           <a:p>
             <a:fld id="{F2660061-179A-47E0-86E3-D8374BC4401E}" type="datetimeFigureOut">
               <a:rPr lang="en-US" smtClean="0"/>
-              <a:t>8/5/2021</a:t>
+              <a:t>10/26/2021</a:t>
             </a:fld>
             <a:endParaRPr lang="en-US"/>
           </a:p>
@@ -4152,7 +4151,7 @@
           <a:p>
             <a:fld id="{F2660061-179A-47E0-86E3-D8374BC4401E}" type="datetimeFigureOut">
               <a:rPr lang="en-US" smtClean="0"/>
-              <a:t>8/5/2021</a:t>
+              <a:t>10/26/2021</a:t>
             </a:fld>
             <a:endParaRPr lang="en-US"/>
           </a:p>
@@ -4306,7 +4305,7 @@
           <a:p>
             <a:fld id="{F2660061-179A-47E0-86E3-D8374BC4401E}" type="datetimeFigureOut">
               <a:rPr lang="en-US" smtClean="0"/>
-              <a:t>8/5/2021</a:t>
+              <a:t>10/26/2021</a:t>
             </a:fld>
             <a:endParaRPr lang="en-US"/>
           </a:p>
@@ -4432,7 +4431,7 @@
           <a:p>
             <a:fld id="{F2660061-179A-47E0-86E3-D8374BC4401E}" type="datetimeFigureOut">
               <a:rPr lang="en-US" smtClean="0"/>
-              <a:t>8/5/2021</a:t>
+              <a:t>10/26/2021</a:t>
             </a:fld>
             <a:endParaRPr lang="en-US"/>
           </a:p>
@@ -4687,7 +4686,7 @@
           <a:p>
             <a:fld id="{F2660061-179A-47E0-86E3-D8374BC4401E}" type="datetimeFigureOut">
               <a:rPr lang="en-US" smtClean="0"/>
-              <a:t>8/5/2021</a:t>
+              <a:t>10/26/2021</a:t>
             </a:fld>
             <a:endParaRPr lang="en-US"/>
           </a:p>
@@ -5001,7 +5000,7 @@
           <a:p>
             <a:fld id="{F2660061-179A-47E0-86E3-D8374BC4401E}" type="datetimeFigureOut">
               <a:rPr lang="en-US" smtClean="0"/>
-              <a:t>8/5/2021</a:t>
+              <a:t>10/26/2021</a:t>
             </a:fld>
             <a:endParaRPr lang="en-US"/>
           </a:p>
@@ -5352,7 +5351,7 @@
           <a:p>
             <a:fld id="{F2660061-179A-47E0-86E3-D8374BC4401E}" type="datetimeFigureOut">
               <a:rPr lang="en-US" smtClean="0"/>
-              <a:t>8/5/2021</a:t>
+              <a:t>10/26/2021</a:t>
             </a:fld>
             <a:endParaRPr lang="en-US"/>
           </a:p>
@@ -5959,9 +5958,10 @@
           </a:p>
           <a:p>
             <a:r>
-              <a:rPr lang="en-IN" sz="2800" b="1" dirty="0"/>
-              <a:t>Class 7</a:t>
-            </a:r>
+              <a:rPr lang="en-IN" sz="2800" b="1"/>
+              <a:t>Class 5</a:t>
+            </a:r>
+            <a:endParaRPr lang="en-IN" sz="2800" b="1" dirty="0"/>
           </a:p>
           <a:p>
             <a:r>
@@ -5986,170 +5986,6 @@
 </file>
 
 <file path=ppt/slides/slide10.xml><?xml version="1.0" encoding="utf-8"?>
-<p:sld xmlns:a="http://schemas.openxmlformats.org/drawingml/2006/main" xmlns:r="http://schemas.openxmlformats.org/officeDocument/2006/relationships" xmlns:p="http://schemas.openxmlformats.org/presentationml/2006/main">
-  <p:cSld>
-    <p:spTree>
-      <p:nvGrpSpPr>
-        <p:cNvPr id="1" name=""/>
-        <p:cNvGrpSpPr/>
-        <p:nvPr/>
-      </p:nvGrpSpPr>
-      <p:grpSpPr>
-        <a:xfrm>
-          <a:off x="0" y="0"/>
-          <a:ext cx="0" cy="0"/>
-          <a:chOff x="0" y="0"/>
-          <a:chExt cx="0" cy="0"/>
-        </a:xfrm>
-      </p:grpSpPr>
-      <p:sp>
-        <p:nvSpPr>
-          <p:cNvPr id="2" name="Title 1">
-            <a:extLst>
-              <a:ext uri="{FF2B5EF4-FFF2-40B4-BE49-F238E27FC236}">
-                <a16:creationId xmlns:a16="http://schemas.microsoft.com/office/drawing/2014/main" id="{22A7B321-0A44-461E-9569-CA2880606084}"/>
-              </a:ext>
-            </a:extLst>
-          </p:cNvPr>
-          <p:cNvSpPr>
-            <a:spLocks noGrp="1"/>
-          </p:cNvSpPr>
-          <p:nvPr>
-            <p:ph type="title"/>
-          </p:nvPr>
-        </p:nvSpPr>
-        <p:spPr/>
-        <p:txBody>
-          <a:bodyPr/>
-          <a:lstStyle/>
-          <a:p>
-            <a:r>
-              <a:rPr lang="en-IN" b="1" dirty="0"/>
-              <a:t>Task</a:t>
-            </a:r>
-          </a:p>
-        </p:txBody>
-      </p:sp>
-      <p:sp>
-        <p:nvSpPr>
-          <p:cNvPr id="4" name="TextBox 3">
-            <a:extLst>
-              <a:ext uri="{FF2B5EF4-FFF2-40B4-BE49-F238E27FC236}">
-                <a16:creationId xmlns:a16="http://schemas.microsoft.com/office/drawing/2014/main" id="{A7A160DC-3739-494E-9E7B-2A23B505D2EA}"/>
-              </a:ext>
-            </a:extLst>
-          </p:cNvPr>
-          <p:cNvSpPr txBox="1"/>
-          <p:nvPr/>
-        </p:nvSpPr>
-        <p:spPr>
-          <a:xfrm>
-            <a:off x="3779912" y="2492896"/>
-            <a:ext cx="2304256" cy="2031325"/>
-          </a:xfrm>
-          <a:prstGeom prst="rect">
-            <a:avLst/>
-          </a:prstGeom>
-          <a:noFill/>
-        </p:spPr>
-        <p:txBody>
-          <a:bodyPr wrap="square">
-            <a:spAutoFit/>
-          </a:bodyPr>
-          <a:lstStyle/>
-          <a:p>
-            <a:r>
-              <a:rPr lang="en-IN" dirty="0"/>
-              <a:t>5 * 1 = 5</a:t>
-            </a:r>
-          </a:p>
-          <a:p>
-            <a:r>
-              <a:rPr lang="en-IN" dirty="0"/>
-              <a:t>5 * 2 = 10</a:t>
-            </a:r>
-          </a:p>
-          <a:p>
-            <a:r>
-              <a:rPr lang="en-IN" dirty="0"/>
-              <a:t>.</a:t>
-            </a:r>
-          </a:p>
-          <a:p>
-            <a:r>
-              <a:rPr lang="en-IN" dirty="0"/>
-              <a:t>.</a:t>
-            </a:r>
-          </a:p>
-          <a:p>
-            <a:r>
-              <a:rPr lang="en-IN" dirty="0"/>
-              <a:t>.</a:t>
-            </a:r>
-          </a:p>
-          <a:p>
-            <a:r>
-              <a:rPr lang="en-IN" dirty="0"/>
-              <a:t>.</a:t>
-            </a:r>
-          </a:p>
-          <a:p>
-            <a:r>
-              <a:rPr lang="en-IN" dirty="0"/>
-              <a:t>5 * 10 = 50</a:t>
-            </a:r>
-          </a:p>
-        </p:txBody>
-      </p:sp>
-      <p:sp>
-        <p:nvSpPr>
-          <p:cNvPr id="5" name="TextBox 4">
-            <a:extLst>
-              <a:ext uri="{FF2B5EF4-FFF2-40B4-BE49-F238E27FC236}">
-                <a16:creationId xmlns:a16="http://schemas.microsoft.com/office/drawing/2014/main" id="{003F65D1-D8A1-4523-BB6A-BD51ADD9E075}"/>
-              </a:ext>
-            </a:extLst>
-          </p:cNvPr>
-          <p:cNvSpPr txBox="1"/>
-          <p:nvPr/>
-        </p:nvSpPr>
-        <p:spPr>
-          <a:xfrm>
-            <a:off x="2843808" y="5085184"/>
-            <a:ext cx="3456384" cy="646331"/>
-          </a:xfrm>
-          <a:prstGeom prst="rect">
-            <a:avLst/>
-          </a:prstGeom>
-          <a:noFill/>
-        </p:spPr>
-        <p:txBody>
-          <a:bodyPr wrap="square" rtlCol="0">
-            <a:spAutoFit/>
-          </a:bodyPr>
-          <a:lstStyle/>
-          <a:p>
-            <a:r>
-              <a:rPr lang="en-IN" dirty="0"/>
-              <a:t>Print out all the multiples of 7 less than 231</a:t>
-            </a:r>
-          </a:p>
-        </p:txBody>
-      </p:sp>
-    </p:spTree>
-    <p:extLst>
-      <p:ext uri="{BB962C8B-B14F-4D97-AF65-F5344CB8AC3E}">
-        <p14:creationId xmlns:p14="http://schemas.microsoft.com/office/powerpoint/2010/main" val="1083086404"/>
-      </p:ext>
-    </p:extLst>
-  </p:cSld>
-  <p:clrMapOvr>
-    <a:masterClrMapping/>
-  </p:clrMapOvr>
-</p:sld>
-</file>
-
-<file path=ppt/slides/slide11.xml><?xml version="1.0" encoding="utf-8"?>
 <p:sld xmlns:a="http://schemas.openxmlformats.org/drawingml/2006/main" xmlns:r="http://schemas.openxmlformats.org/officeDocument/2006/relationships" xmlns:p="http://schemas.openxmlformats.org/presentationml/2006/main">
   <p:cSld>
     <p:spTree>
@@ -6406,7 +6242,7 @@
                 <a:effectLst/>
                 <a:latin typeface="Montserrat"/>
               </a:rPr>
-              <a:t>Class 7: 	• Loops </a:t>
+              <a:t>Class 5: 	• Loops </a:t>
             </a:r>
             <a:endParaRPr lang="en-IN" b="1" dirty="0"/>
           </a:p>
@@ -6447,7 +6283,7 @@
           <p:cNvPr id="2" name="Title 1">
             <a:extLst>
               <a:ext uri="{FF2B5EF4-FFF2-40B4-BE49-F238E27FC236}">
-                <a16:creationId xmlns:a16="http://schemas.microsoft.com/office/drawing/2014/main" id="{1F6BE511-CC97-4FF4-B26B-978CEB476A10}"/>
+                <a16:creationId xmlns:a16="http://schemas.microsoft.com/office/drawing/2014/main" id="{34261CD9-74EC-4845-B0D3-CB8855F13515}"/>
               </a:ext>
             </a:extLst>
           </p:cNvPr>
@@ -6464,18 +6300,18 @@
           <a:lstStyle/>
           <a:p>
             <a:r>
-              <a:rPr lang="en-IN" b="1" dirty="0"/>
-              <a:t>Class 6 H.W.</a:t>
-            </a:r>
-          </a:p>
-        </p:txBody>
-      </p:sp>
-      <p:sp>
-        <p:nvSpPr>
-          <p:cNvPr id="4" name="TextBox 3">
+              <a:rPr lang="en-IN" dirty="0"/>
+              <a:t>Range function( )</a:t>
+            </a:r>
+          </a:p>
+        </p:txBody>
+      </p:sp>
+      <p:sp>
+        <p:nvSpPr>
+          <p:cNvPr id="3" name="TextBox 2">
             <a:extLst>
               <a:ext uri="{FF2B5EF4-FFF2-40B4-BE49-F238E27FC236}">
-                <a16:creationId xmlns:a16="http://schemas.microsoft.com/office/drawing/2014/main" id="{2ACAF2E6-2D57-46FF-AF3F-767F546BFC2C}"/>
+                <a16:creationId xmlns:a16="http://schemas.microsoft.com/office/drawing/2014/main" id="{F677A501-91A8-41E3-A7A8-0A20135C831D}"/>
               </a:ext>
             </a:extLst>
           </p:cNvPr>
@@ -6484,8 +6320,8 @@
         </p:nvSpPr>
         <p:spPr>
           <a:xfrm>
-            <a:off x="3131840" y="2538139"/>
-            <a:ext cx="4576396" cy="3416320"/>
+            <a:off x="1331640" y="2708920"/>
+            <a:ext cx="6552728" cy="1477328"/>
           </a:xfrm>
           <a:prstGeom prst="rect">
             <a:avLst/>
@@ -6493,92 +6329,52 @@
           <a:noFill/>
         </p:spPr>
         <p:txBody>
-          <a:bodyPr wrap="square">
+          <a:bodyPr wrap="square" rtlCol="0">
             <a:spAutoFit/>
           </a:bodyPr>
           <a:lstStyle/>
           <a:p>
+            <a:pPr marL="342900" indent="-342900">
+              <a:buFont typeface="Arial" panose="020B0604020202020204" pitchFamily="34" charset="0"/>
+              <a:buChar char="•"/>
+            </a:pPr>
             <a:r>
               <a:rPr lang="en-IN" dirty="0"/>
-              <a:t>num1=int(float(input("num1=")))</a:t>
-            </a:r>
-          </a:p>
-          <a:p>
+              <a:t>range(10) =&gt; (0,10) =&gt; [0,1,2,3,4,5,6,7,8,9]</a:t>
+            </a:r>
+          </a:p>
+          <a:p>
+            <a:pPr marL="285750" indent="-285750">
+              <a:buFont typeface="Arial" panose="020B0604020202020204" pitchFamily="34" charset="0"/>
+              <a:buChar char="•"/>
+            </a:pPr>
+            <a:endParaRPr lang="en-IN" dirty="0"/>
+          </a:p>
+          <a:p>
+            <a:pPr marL="342900" indent="-342900">
+              <a:buFont typeface="Arial" panose="020B0604020202020204" pitchFamily="34" charset="0"/>
+              <a:buChar char="•"/>
+            </a:pPr>
             <a:r>
               <a:rPr lang="en-IN" dirty="0"/>
-              <a:t>num2=int(float(input("num2=")))</a:t>
-            </a:r>
-          </a:p>
-          <a:p>
+              <a:t>Range(5,10) =&gt; (5,10) =&gt;[5,6,7,8,9]</a:t>
+            </a:r>
+          </a:p>
+          <a:p>
+            <a:pPr marL="285750" indent="-285750">
+              <a:buFont typeface="Arial" panose="020B0604020202020204" pitchFamily="34" charset="0"/>
+              <a:buChar char="•"/>
+            </a:pPr>
+            <a:endParaRPr lang="en-IN" dirty="0"/>
+          </a:p>
+          <a:p>
+            <a:pPr marL="342900" indent="-342900">
+              <a:buFont typeface="Arial" panose="020B0604020202020204" pitchFamily="34" charset="0"/>
+              <a:buChar char="•"/>
+            </a:pPr>
             <a:r>
               <a:rPr lang="en-IN" dirty="0"/>
-              <a:t>operator=input("operator = ")</a:t>
-            </a:r>
-          </a:p>
-          <a:p>
-            <a:r>
-              <a:rPr lang="en-IN" dirty="0"/>
-              <a:t>if operator== "+":</a:t>
-            </a:r>
-          </a:p>
-          <a:p>
-            <a:r>
-              <a:rPr lang="en-IN" dirty="0"/>
-              <a:t>    print(num1+num2)</a:t>
-            </a:r>
-          </a:p>
-          <a:p>
-            <a:r>
-              <a:rPr lang="en-IN" dirty="0" err="1"/>
-              <a:t>elif</a:t>
-            </a:r>
-            <a:r>
-              <a:rPr lang="en-IN" dirty="0"/>
-              <a:t> operator=="-":</a:t>
-            </a:r>
-          </a:p>
-          <a:p>
-            <a:r>
-              <a:rPr lang="en-IN" dirty="0"/>
-              <a:t>    print(num2-nun1)</a:t>
-            </a:r>
-          </a:p>
-          <a:p>
-            <a:r>
-              <a:rPr lang="en-IN" dirty="0" err="1"/>
-              <a:t>elif</a:t>
-            </a:r>
-            <a:r>
-              <a:rPr lang="en-IN" dirty="0"/>
-              <a:t> operator== "*":</a:t>
-            </a:r>
-          </a:p>
-          <a:p>
-            <a:r>
-              <a:rPr lang="en-IN" dirty="0"/>
-              <a:t>    print(num1*num2)</a:t>
-            </a:r>
-          </a:p>
-          <a:p>
-            <a:r>
-              <a:rPr lang="en-IN" dirty="0" err="1"/>
-              <a:t>elif</a:t>
-            </a:r>
-            <a:r>
-              <a:rPr lang="en-IN" dirty="0"/>
-              <a:t> operator=="/":</a:t>
-            </a:r>
-          </a:p>
-          <a:p>
-            <a:r>
-              <a:rPr lang="en-IN" dirty="0"/>
-              <a:t>    print(num1/num2)</a:t>
-            </a:r>
-          </a:p>
-          <a:p>
-            <a:r>
-              <a:rPr lang="en-IN" dirty="0"/>
-              <a:t>    </a:t>
+              <a:t>Range (5,15,2) =&gt;[5,7,9,11,13]</a:t>
             </a:r>
           </a:p>
         </p:txBody>
@@ -6586,7 +6382,7 @@
     </p:spTree>
     <p:extLst>
       <p:ext uri="{BB962C8B-B14F-4D97-AF65-F5344CB8AC3E}">
-        <p14:creationId xmlns:p14="http://schemas.microsoft.com/office/powerpoint/2010/main" val="1024614586"/>
+        <p14:creationId xmlns:p14="http://schemas.microsoft.com/office/powerpoint/2010/main" val="883001355"/>
       </p:ext>
     </p:extLst>
   </p:cSld>
@@ -6618,7 +6414,7 @@
           <p:cNvPr id="2" name="Title 1">
             <a:extLst>
               <a:ext uri="{FF2B5EF4-FFF2-40B4-BE49-F238E27FC236}">
-                <a16:creationId xmlns:a16="http://schemas.microsoft.com/office/drawing/2014/main" id="{34261CD9-74EC-4845-B0D3-CB8855F13515}"/>
+                <a16:creationId xmlns:a16="http://schemas.microsoft.com/office/drawing/2014/main" id="{A116E830-71AA-40A7-9370-5A78232B8B62}"/>
               </a:ext>
             </a:extLst>
           </p:cNvPr>
@@ -6636,17 +6432,17 @@
           <a:p>
             <a:r>
               <a:rPr lang="en-IN" dirty="0"/>
-              <a:t>Range function( )</a:t>
-            </a:r>
-          </a:p>
-        </p:txBody>
-      </p:sp>
-      <p:sp>
-        <p:nvSpPr>
-          <p:cNvPr id="3" name="TextBox 2">
+              <a:t>For loop</a:t>
+            </a:r>
+          </a:p>
+        </p:txBody>
+      </p:sp>
+      <p:sp>
+        <p:nvSpPr>
+          <p:cNvPr id="4" name="TextBox 3">
             <a:extLst>
               <a:ext uri="{FF2B5EF4-FFF2-40B4-BE49-F238E27FC236}">
-                <a16:creationId xmlns:a16="http://schemas.microsoft.com/office/drawing/2014/main" id="{F677A501-91A8-41E3-A7A8-0A20135C831D}"/>
+                <a16:creationId xmlns:a16="http://schemas.microsoft.com/office/drawing/2014/main" id="{F0F9AE35-5D43-480E-A661-05B0128195CB}"/>
               </a:ext>
             </a:extLst>
           </p:cNvPr>
@@ -6655,8 +6451,8 @@
         </p:nvSpPr>
         <p:spPr>
           <a:xfrm>
-            <a:off x="1331640" y="2708920"/>
-            <a:ext cx="6552728" cy="1477328"/>
+            <a:off x="1259632" y="2852936"/>
+            <a:ext cx="6336704" cy="2308324"/>
           </a:xfrm>
           <a:prstGeom prst="rect">
             <a:avLst/>
@@ -6669,47 +6465,56 @@
           </a:bodyPr>
           <a:lstStyle/>
           <a:p>
-            <a:pPr marL="342900" indent="-342900">
-              <a:buFont typeface="Arial" panose="020B0604020202020204" pitchFamily="34" charset="0"/>
-              <a:buChar char="•"/>
-            </a:pPr>
             <a:r>
               <a:rPr lang="en-IN" dirty="0"/>
-              <a:t>range(10) =&gt; (0,10) =&gt; [0,1,2,3,4,5,6,7,8,9]</a:t>
-            </a:r>
-          </a:p>
-          <a:p>
-            <a:pPr marL="285750" indent="-285750">
-              <a:buFont typeface="Arial" panose="020B0604020202020204" pitchFamily="34" charset="0"/>
-              <a:buChar char="•"/>
-            </a:pPr>
+              <a:t>Syntax:</a:t>
+            </a:r>
+          </a:p>
+          <a:p>
+            <a:r>
+              <a:rPr lang="en-IN" dirty="0"/>
+              <a:t>	</a:t>
+            </a:r>
+            <a:r>
+              <a:rPr lang="en-IN" b="1" dirty="0"/>
+              <a:t>for (container) in (list):</a:t>
+            </a:r>
+          </a:p>
+          <a:p>
+            <a:r>
+              <a:rPr lang="en-IN" b="1" dirty="0"/>
+              <a:t>		(task)</a:t>
+            </a:r>
+          </a:p>
+          <a:p>
             <a:endParaRPr lang="en-IN" dirty="0"/>
           </a:p>
           <a:p>
-            <a:pPr marL="342900" indent="-342900">
-              <a:buFont typeface="Arial" panose="020B0604020202020204" pitchFamily="34" charset="0"/>
-              <a:buChar char="•"/>
-            </a:pPr>
+            <a:r>
+              <a:rPr lang="en-IN" dirty="0" err="1"/>
+              <a:t>Explaination</a:t>
+            </a:r>
             <a:r>
               <a:rPr lang="en-IN" dirty="0"/>
-              <a:t>Range(5,10) =&gt; (5,10) =&gt;[5,6,7,8,9]</a:t>
-            </a:r>
-          </a:p>
-          <a:p>
-            <a:pPr marL="285750" indent="-285750">
-              <a:buFont typeface="Arial" panose="020B0604020202020204" pitchFamily="34" charset="0"/>
-              <a:buChar char="•"/>
-            </a:pPr>
-            <a:endParaRPr lang="en-IN" dirty="0"/>
-          </a:p>
-          <a:p>
-            <a:pPr marL="342900" indent="-342900">
-              <a:buFont typeface="Arial" panose="020B0604020202020204" pitchFamily="34" charset="0"/>
-              <a:buChar char="•"/>
-            </a:pPr>
+              <a:t>:</a:t>
+            </a:r>
+          </a:p>
+          <a:p>
             <a:r>
               <a:rPr lang="en-IN" dirty="0"/>
-              <a:t>Range (5,15,2) =&gt;[5,7,9,11,13]</a:t>
+              <a:t>	take every value in the list , </a:t>
+            </a:r>
+          </a:p>
+          <a:p>
+            <a:r>
+              <a:rPr lang="en-IN" dirty="0"/>
+              <a:t>	store that value in the container,</a:t>
+            </a:r>
+          </a:p>
+          <a:p>
+            <a:r>
+              <a:rPr lang="en-IN" dirty="0"/>
+              <a:t>	perform the task for every new value of a container.</a:t>
             </a:r>
           </a:p>
         </p:txBody>
@@ -6717,7 +6522,7 @@
     </p:spTree>
     <p:extLst>
       <p:ext uri="{BB962C8B-B14F-4D97-AF65-F5344CB8AC3E}">
-        <p14:creationId xmlns:p14="http://schemas.microsoft.com/office/powerpoint/2010/main" val="883001355"/>
+        <p14:creationId xmlns:p14="http://schemas.microsoft.com/office/powerpoint/2010/main" val="1522924846"/>
       </p:ext>
     </p:extLst>
   </p:cSld>
@@ -6749,7 +6554,7 @@
           <p:cNvPr id="2" name="Title 1">
             <a:extLst>
               <a:ext uri="{FF2B5EF4-FFF2-40B4-BE49-F238E27FC236}">
-                <a16:creationId xmlns:a16="http://schemas.microsoft.com/office/drawing/2014/main" id="{A116E830-71AA-40A7-9370-5A78232B8B62}"/>
+                <a16:creationId xmlns:a16="http://schemas.microsoft.com/office/drawing/2014/main" id="{723889A7-7F2B-4A5A-92DF-140B58755621}"/>
               </a:ext>
             </a:extLst>
           </p:cNvPr>
@@ -6766,8 +6571,8 @@
           <a:lstStyle/>
           <a:p>
             <a:r>
-              <a:rPr lang="en-IN" dirty="0"/>
-              <a:t>For loop</a:t>
+              <a:rPr lang="en-IN" b="1" dirty="0"/>
+              <a:t>Example</a:t>
             </a:r>
           </a:p>
         </p:txBody>
@@ -6777,7 +6582,7 @@
           <p:cNvPr id="4" name="TextBox 3">
             <a:extLst>
               <a:ext uri="{FF2B5EF4-FFF2-40B4-BE49-F238E27FC236}">
-                <a16:creationId xmlns:a16="http://schemas.microsoft.com/office/drawing/2014/main" id="{F0F9AE35-5D43-480E-A661-05B0128195CB}"/>
+                <a16:creationId xmlns:a16="http://schemas.microsoft.com/office/drawing/2014/main" id="{18C5A423-ED7F-4D49-BB00-CC10A4DD314D}"/>
               </a:ext>
             </a:extLst>
           </p:cNvPr>
@@ -6786,70 +6591,110 @@
         </p:nvSpPr>
         <p:spPr>
           <a:xfrm>
-            <a:off x="1259632" y="2852936"/>
-            <a:ext cx="6336704" cy="2308324"/>
+            <a:off x="2288198" y="2828836"/>
+            <a:ext cx="4576396" cy="923330"/>
           </a:xfrm>
           <a:prstGeom prst="rect">
             <a:avLst/>
           </a:prstGeom>
-          <a:noFill/>
         </p:spPr>
-        <p:txBody>
-          <a:bodyPr wrap="square" rtlCol="0">
+        <p:style>
+          <a:lnRef idx="2">
+            <a:schemeClr val="accent6"/>
+          </a:lnRef>
+          <a:fillRef idx="1">
+            <a:schemeClr val="lt1"/>
+          </a:fillRef>
+          <a:effectRef idx="0">
+            <a:schemeClr val="accent6"/>
+          </a:effectRef>
+          <a:fontRef idx="minor">
+            <a:schemeClr val="dk1"/>
+          </a:fontRef>
+        </p:style>
+        <p:txBody>
+          <a:bodyPr wrap="square">
             <a:spAutoFit/>
           </a:bodyPr>
           <a:lstStyle/>
           <a:p>
             <a:r>
               <a:rPr lang="en-IN" dirty="0"/>
-              <a:t>Syntax:</a:t>
-            </a:r>
-          </a:p>
-          <a:p>
+              <a:t>a=["arav",11,['</a:t>
+            </a:r>
+            <a:r>
+              <a:rPr lang="en-IN" dirty="0" err="1"/>
+              <a:t>a','r','a','v</a:t>
+            </a:r>
             <a:r>
               <a:rPr lang="en-IN" dirty="0"/>
-              <a:t>	</a:t>
-            </a:r>
-            <a:r>
-              <a:rPr lang="en-IN" b="1" dirty="0"/>
-              <a:t>for (container) in (list):</a:t>
-            </a:r>
-          </a:p>
-          <a:p>
-            <a:r>
-              <a:rPr lang="en-IN" b="1" dirty="0"/>
-              <a:t>		(task)</a:t>
-            </a:r>
-          </a:p>
-          <a:p>
-            <a:endParaRPr lang="en-IN" dirty="0"/>
-          </a:p>
-          <a:p>
-            <a:r>
-              <a:rPr lang="en-IN" dirty="0" err="1"/>
-              <a:t>Explaination</a:t>
-            </a:r>
+              <a:t>'],"hello"]</a:t>
+            </a:r>
+          </a:p>
+          <a:p>
             <a:r>
               <a:rPr lang="en-IN" dirty="0"/>
-              <a:t>:</a:t>
+              <a:t>for c1 in a:</a:t>
             </a:r>
           </a:p>
           <a:p>
             <a:r>
               <a:rPr lang="en-IN" dirty="0"/>
-              <a:t>	take every value in the list , </a:t>
-            </a:r>
-          </a:p>
+              <a:t>    print(c1)</a:t>
+            </a:r>
+          </a:p>
+        </p:txBody>
+      </p:sp>
+      <p:sp>
+        <p:nvSpPr>
+          <p:cNvPr id="5" name="TextBox 4">
+            <a:extLst>
+              <a:ext uri="{FF2B5EF4-FFF2-40B4-BE49-F238E27FC236}">
+                <a16:creationId xmlns:a16="http://schemas.microsoft.com/office/drawing/2014/main" id="{00658CB4-4D69-4C16-9771-12FBCB119CDF}"/>
+              </a:ext>
+            </a:extLst>
+          </p:cNvPr>
+          <p:cNvSpPr txBox="1"/>
+          <p:nvPr/>
+        </p:nvSpPr>
+        <p:spPr>
+          <a:xfrm>
+            <a:off x="2274397" y="4509120"/>
+            <a:ext cx="4576396" cy="646331"/>
+          </a:xfrm>
+          <a:prstGeom prst="rect">
+            <a:avLst/>
+          </a:prstGeom>
+        </p:spPr>
+        <p:style>
+          <a:lnRef idx="2">
+            <a:schemeClr val="accent6"/>
+          </a:lnRef>
+          <a:fillRef idx="1">
+            <a:schemeClr val="lt1"/>
+          </a:fillRef>
+          <a:effectRef idx="0">
+            <a:schemeClr val="accent6"/>
+          </a:effectRef>
+          <a:fontRef idx="minor">
+            <a:schemeClr val="dk1"/>
+          </a:fontRef>
+        </p:style>
+        <p:txBody>
+          <a:bodyPr wrap="square">
+            <a:spAutoFit/>
+          </a:bodyPr>
+          <a:lstStyle/>
           <a:p>
             <a:r>
               <a:rPr lang="en-IN" dirty="0"/>
-              <a:t>	store that value in the container,</a:t>
+              <a:t>for c1 in range(10):</a:t>
             </a:r>
           </a:p>
           <a:p>
             <a:r>
               <a:rPr lang="en-IN" dirty="0"/>
-              <a:t>	perform the task for every new value of a container.</a:t>
+              <a:t>    print(c1)</a:t>
             </a:r>
           </a:p>
         </p:txBody>
@@ -6857,7 +6702,7 @@
     </p:spTree>
     <p:extLst>
       <p:ext uri="{BB962C8B-B14F-4D97-AF65-F5344CB8AC3E}">
-        <p14:creationId xmlns:p14="http://schemas.microsoft.com/office/powerpoint/2010/main" val="1522924846"/>
+        <p14:creationId xmlns:p14="http://schemas.microsoft.com/office/powerpoint/2010/main" val="1157566680"/>
       </p:ext>
     </p:extLst>
   </p:cSld>
@@ -6889,7 +6734,7 @@
           <p:cNvPr id="2" name="Title 1">
             <a:extLst>
               <a:ext uri="{FF2B5EF4-FFF2-40B4-BE49-F238E27FC236}">
-                <a16:creationId xmlns:a16="http://schemas.microsoft.com/office/drawing/2014/main" id="{723889A7-7F2B-4A5A-92DF-140B58755621}"/>
+                <a16:creationId xmlns:a16="http://schemas.microsoft.com/office/drawing/2014/main" id="{E0FD9CD4-0B7D-48FD-9063-54767F343B85}"/>
               </a:ext>
             </a:extLst>
           </p:cNvPr>
@@ -6906,18 +6751,18 @@
           <a:lstStyle/>
           <a:p>
             <a:r>
-              <a:rPr lang="en-IN" b="1" dirty="0"/>
-              <a:t>Example</a:t>
-            </a:r>
-          </a:p>
-        </p:txBody>
-      </p:sp>
-      <p:sp>
-        <p:nvSpPr>
-          <p:cNvPr id="4" name="TextBox 3">
+              <a:rPr lang="en-IN" dirty="0"/>
+              <a:t>While loop</a:t>
+            </a:r>
+          </a:p>
+        </p:txBody>
+      </p:sp>
+      <p:sp>
+        <p:nvSpPr>
+          <p:cNvPr id="3" name="TextBox 2">
             <a:extLst>
               <a:ext uri="{FF2B5EF4-FFF2-40B4-BE49-F238E27FC236}">
-                <a16:creationId xmlns:a16="http://schemas.microsoft.com/office/drawing/2014/main" id="{18C5A423-ED7F-4D49-BB00-CC10A4DD314D}"/>
+                <a16:creationId xmlns:a16="http://schemas.microsoft.com/office/drawing/2014/main" id="{82F53FC5-718A-4C92-AC22-5F4D466E8523}"/>
               </a:ext>
             </a:extLst>
           </p:cNvPr>
@@ -6926,110 +6771,79 @@
         </p:nvSpPr>
         <p:spPr>
           <a:xfrm>
-            <a:off x="2288198" y="2828836"/>
-            <a:ext cx="4576396" cy="923330"/>
+            <a:off x="1259632" y="2780928"/>
+            <a:ext cx="6480720" cy="2308324"/>
           </a:xfrm>
           <a:prstGeom prst="rect">
             <a:avLst/>
           </a:prstGeom>
+          <a:noFill/>
         </p:spPr>
-        <p:style>
-          <a:lnRef idx="2">
-            <a:schemeClr val="accent6"/>
-          </a:lnRef>
-          <a:fillRef idx="1">
-            <a:schemeClr val="lt1"/>
-          </a:fillRef>
-          <a:effectRef idx="0">
-            <a:schemeClr val="accent6"/>
-          </a:effectRef>
-          <a:fontRef idx="minor">
-            <a:schemeClr val="dk1"/>
-          </a:fontRef>
-        </p:style>
-        <p:txBody>
-          <a:bodyPr wrap="square">
+        <p:txBody>
+          <a:bodyPr wrap="square" rtlCol="0">
             <a:spAutoFit/>
           </a:bodyPr>
           <a:lstStyle/>
           <a:p>
             <a:r>
               <a:rPr lang="en-IN" dirty="0"/>
-              <a:t>a=["arav",11,['</a:t>
+              <a:t>Syntax:</a:t>
+            </a:r>
+          </a:p>
+          <a:p>
+            <a:r>
+              <a:rPr lang="en-IN" dirty="0"/>
+              <a:t>	</a:t>
+            </a:r>
+            <a:r>
+              <a:rPr lang="en-IN" b="1" dirty="0"/>
+              <a:t>while (</a:t>
+            </a:r>
+            <a:r>
+              <a:rPr lang="en-IN" b="1" dirty="0" err="1"/>
+              <a:t>comparision</a:t>
+            </a:r>
+            <a:r>
+              <a:rPr lang="en-IN" b="1" dirty="0"/>
+              <a:t>):</a:t>
+            </a:r>
+          </a:p>
+          <a:p>
+            <a:r>
+              <a:rPr lang="en-IN" b="1" dirty="0"/>
+              <a:t>		task</a:t>
+            </a:r>
+          </a:p>
+          <a:p>
+            <a:endParaRPr lang="en-IN" b="1" dirty="0"/>
+          </a:p>
+          <a:p>
+            <a:endParaRPr lang="en-IN" dirty="0"/>
+          </a:p>
+          <a:p>
+            <a:r>
+              <a:rPr lang="en-IN" dirty="0"/>
+              <a:t>1. Check if the </a:t>
             </a:r>
             <a:r>
               <a:rPr lang="en-IN" dirty="0" err="1"/>
-              <a:t>a','r','a','v</a:t>
+              <a:t>comparision</a:t>
             </a:r>
             <a:r>
               <a:rPr lang="en-IN" dirty="0"/>
-              <a:t>'],"hello"]</a:t>
+              <a:t> returns true.</a:t>
             </a:r>
           </a:p>
           <a:p>
             <a:r>
               <a:rPr lang="en-IN" dirty="0"/>
-              <a:t>for c1 in a:</a:t>
+              <a:t>2. If it returns true then perform the task.</a:t>
             </a:r>
           </a:p>
           <a:p>
             <a:r>
               <a:rPr lang="en-IN" dirty="0"/>
-              <a:t>    print(c1)</a:t>
-            </a:r>
-          </a:p>
-        </p:txBody>
-      </p:sp>
-      <p:sp>
-        <p:nvSpPr>
-          <p:cNvPr id="5" name="TextBox 4">
-            <a:extLst>
-              <a:ext uri="{FF2B5EF4-FFF2-40B4-BE49-F238E27FC236}">
-                <a16:creationId xmlns:a16="http://schemas.microsoft.com/office/drawing/2014/main" id="{00658CB4-4D69-4C16-9771-12FBCB119CDF}"/>
-              </a:ext>
-            </a:extLst>
-          </p:cNvPr>
-          <p:cNvSpPr txBox="1"/>
-          <p:nvPr/>
-        </p:nvSpPr>
-        <p:spPr>
-          <a:xfrm>
-            <a:off x="2274397" y="4509120"/>
-            <a:ext cx="4576396" cy="646331"/>
-          </a:xfrm>
-          <a:prstGeom prst="rect">
-            <a:avLst/>
-          </a:prstGeom>
-        </p:spPr>
-        <p:style>
-          <a:lnRef idx="2">
-            <a:schemeClr val="accent6"/>
-          </a:lnRef>
-          <a:fillRef idx="1">
-            <a:schemeClr val="lt1"/>
-          </a:fillRef>
-          <a:effectRef idx="0">
-            <a:schemeClr val="accent6"/>
-          </a:effectRef>
-          <a:fontRef idx="minor">
-            <a:schemeClr val="dk1"/>
-          </a:fontRef>
-        </p:style>
-        <p:txBody>
-          <a:bodyPr wrap="square">
-            <a:spAutoFit/>
-          </a:bodyPr>
-          <a:lstStyle/>
-          <a:p>
-            <a:r>
-              <a:rPr lang="en-IN" dirty="0"/>
-              <a:t>for c1 in range(10):</a:t>
-            </a:r>
-          </a:p>
-          <a:p>
-            <a:r>
-              <a:rPr lang="en-IN" dirty="0"/>
-              <a:t>    print(c1)</a:t>
+              <a:t>3. If it returns false then stop the loop.</a:t>
             </a:r>
           </a:p>
         </p:txBody>
@@ -7037,7 +6851,7 @@
     </p:spTree>
     <p:extLst>
       <p:ext uri="{BB962C8B-B14F-4D97-AF65-F5344CB8AC3E}">
-        <p14:creationId xmlns:p14="http://schemas.microsoft.com/office/powerpoint/2010/main" val="1157566680"/>
+        <p14:creationId xmlns:p14="http://schemas.microsoft.com/office/powerpoint/2010/main" val="3145228230"/>
       </p:ext>
     </p:extLst>
   </p:cSld>
@@ -7069,7 +6883,7 @@
           <p:cNvPr id="2" name="Title 1">
             <a:extLst>
               <a:ext uri="{FF2B5EF4-FFF2-40B4-BE49-F238E27FC236}">
-                <a16:creationId xmlns:a16="http://schemas.microsoft.com/office/drawing/2014/main" id="{E0FD9CD4-0B7D-48FD-9063-54767F343B85}"/>
+                <a16:creationId xmlns:a16="http://schemas.microsoft.com/office/drawing/2014/main" id="{F294F848-4300-4F17-AC53-9B6D313200F6}"/>
               </a:ext>
             </a:extLst>
           </p:cNvPr>
@@ -7086,18 +6900,18 @@
           <a:lstStyle/>
           <a:p>
             <a:r>
-              <a:rPr lang="en-IN" dirty="0"/>
-              <a:t>While loop</a:t>
-            </a:r>
-          </a:p>
-        </p:txBody>
-      </p:sp>
-      <p:sp>
-        <p:nvSpPr>
-          <p:cNvPr id="3" name="TextBox 2">
+              <a:rPr lang="en-IN" b="1" dirty="0"/>
+              <a:t>Example</a:t>
+            </a:r>
+          </a:p>
+        </p:txBody>
+      </p:sp>
+      <p:sp>
+        <p:nvSpPr>
+          <p:cNvPr id="4" name="TextBox 3">
             <a:extLst>
               <a:ext uri="{FF2B5EF4-FFF2-40B4-BE49-F238E27FC236}">
-                <a16:creationId xmlns:a16="http://schemas.microsoft.com/office/drawing/2014/main" id="{82F53FC5-718A-4C92-AC22-5F4D466E8523}"/>
+                <a16:creationId xmlns:a16="http://schemas.microsoft.com/office/drawing/2014/main" id="{F7C15CFF-713B-4A9B-ADE4-385A0AF90064}"/>
               </a:ext>
             </a:extLst>
           </p:cNvPr>
@@ -7106,8 +6920,8 @@
         </p:nvSpPr>
         <p:spPr>
           <a:xfrm>
-            <a:off x="1259632" y="2780928"/>
-            <a:ext cx="6480720" cy="2308324"/>
+            <a:off x="2288198" y="2828836"/>
+            <a:ext cx="4576396" cy="1200329"/>
           </a:xfrm>
           <a:prstGeom prst="rect">
             <a:avLst/>
@@ -7115,70 +6929,32 @@
           <a:noFill/>
         </p:spPr>
         <p:txBody>
-          <a:bodyPr wrap="square" rtlCol="0">
+          <a:bodyPr wrap="square">
             <a:spAutoFit/>
           </a:bodyPr>
           <a:lstStyle/>
           <a:p>
             <a:r>
               <a:rPr lang="en-IN" dirty="0"/>
-              <a:t>Syntax:</a:t>
+              <a:t>c1=20</a:t>
             </a:r>
           </a:p>
           <a:p>
             <a:r>
               <a:rPr lang="en-IN" dirty="0"/>
-              <a:t>	</a:t>
-            </a:r>
-            <a:r>
-              <a:rPr lang="en-IN" b="1" dirty="0"/>
-              <a:t>while (</a:t>
-            </a:r>
-            <a:r>
-              <a:rPr lang="en-IN" b="1" dirty="0" err="1"/>
-              <a:t>comparision</a:t>
-            </a:r>
-            <a:r>
-              <a:rPr lang="en-IN" b="1" dirty="0"/>
-              <a:t>):</a:t>
-            </a:r>
-          </a:p>
-          <a:p>
-            <a:r>
-              <a:rPr lang="en-IN" b="1" dirty="0"/>
-              <a:t>		task</a:t>
-            </a:r>
-          </a:p>
-          <a:p>
-            <a:endParaRPr lang="en-IN" b="1" dirty="0"/>
-          </a:p>
-          <a:p>
-            <a:endParaRPr lang="en-IN" dirty="0"/>
+              <a:t>while c1&gt;0:</a:t>
+            </a:r>
           </a:p>
           <a:p>
             <a:r>
               <a:rPr lang="en-IN" dirty="0"/>
-              <a:t>1. Check if the </a:t>
-            </a:r>
-            <a:r>
-              <a:rPr lang="en-IN" dirty="0" err="1"/>
-              <a:t>comparision</a:t>
-            </a:r>
+              <a:t>    print(c1)</a:t>
+            </a:r>
+          </a:p>
+          <a:p>
             <a:r>
               <a:rPr lang="en-IN" dirty="0"/>
-              <a:t> returns true.</a:t>
-            </a:r>
-          </a:p>
-          <a:p>
-            <a:r>
-              <a:rPr lang="en-IN" dirty="0"/>
-              <a:t>2. If it returns true then perform the task.</a:t>
-            </a:r>
-          </a:p>
-          <a:p>
-            <a:r>
-              <a:rPr lang="en-IN" dirty="0"/>
-              <a:t>3. If it returns false then stop the loop.</a:t>
+              <a:t>    c1-=2</a:t>
             </a:r>
           </a:p>
         </p:txBody>
@@ -7186,7 +6962,7 @@
     </p:spTree>
     <p:extLst>
       <p:ext uri="{BB962C8B-B14F-4D97-AF65-F5344CB8AC3E}">
-        <p14:creationId xmlns:p14="http://schemas.microsoft.com/office/powerpoint/2010/main" val="3145228230"/>
+        <p14:creationId xmlns:p14="http://schemas.microsoft.com/office/powerpoint/2010/main" val="1359223015"/>
       </p:ext>
     </p:extLst>
   </p:cSld>
@@ -7218,7 +6994,7 @@
           <p:cNvPr id="2" name="Title 1">
             <a:extLst>
               <a:ext uri="{FF2B5EF4-FFF2-40B4-BE49-F238E27FC236}">
-                <a16:creationId xmlns:a16="http://schemas.microsoft.com/office/drawing/2014/main" id="{F294F848-4300-4F17-AC53-9B6D313200F6}"/>
+                <a16:creationId xmlns:a16="http://schemas.microsoft.com/office/drawing/2014/main" id="{22A7B321-0A44-461E-9569-CA2880606084}"/>
               </a:ext>
             </a:extLst>
           </p:cNvPr>
@@ -7236,7 +7012,7 @@
           <a:p>
             <a:r>
               <a:rPr lang="en-IN" b="1" dirty="0"/>
-              <a:t>Example</a:t>
+              <a:t>Task</a:t>
             </a:r>
           </a:p>
         </p:txBody>
@@ -7246,7 +7022,7 @@
           <p:cNvPr id="4" name="TextBox 3">
             <a:extLst>
               <a:ext uri="{FF2B5EF4-FFF2-40B4-BE49-F238E27FC236}">
-                <a16:creationId xmlns:a16="http://schemas.microsoft.com/office/drawing/2014/main" id="{F7C15CFF-713B-4A9B-ADE4-385A0AF90064}"/>
+                <a16:creationId xmlns:a16="http://schemas.microsoft.com/office/drawing/2014/main" id="{A7A160DC-3739-494E-9E7B-2A23B505D2EA}"/>
               </a:ext>
             </a:extLst>
           </p:cNvPr>
@@ -7255,8 +7031,8 @@
         </p:nvSpPr>
         <p:spPr>
           <a:xfrm>
-            <a:off x="2288198" y="2828836"/>
-            <a:ext cx="4576396" cy="1200329"/>
+            <a:off x="3779912" y="2492896"/>
+            <a:ext cx="2304256" cy="2031325"/>
           </a:xfrm>
           <a:prstGeom prst="rect">
             <a:avLst/>
@@ -7271,25 +7047,78 @@
           <a:p>
             <a:r>
               <a:rPr lang="en-IN" dirty="0"/>
-              <a:t>c1=20</a:t>
+              <a:t>5 * 1 = 5</a:t>
             </a:r>
           </a:p>
           <a:p>
             <a:r>
               <a:rPr lang="en-IN" dirty="0"/>
-              <a:t>while c1&gt;0:</a:t>
+              <a:t>5 * 2 = 10</a:t>
             </a:r>
           </a:p>
           <a:p>
             <a:r>
               <a:rPr lang="en-IN" dirty="0"/>
-              <a:t>    print(c1)</a:t>
+              <a:t>.</a:t>
             </a:r>
           </a:p>
           <a:p>
             <a:r>
               <a:rPr lang="en-IN" dirty="0"/>
-              <a:t>    c1-=2</a:t>
+              <a:t>.</a:t>
+            </a:r>
+          </a:p>
+          <a:p>
+            <a:r>
+              <a:rPr lang="en-IN" dirty="0"/>
+              <a:t>.</a:t>
+            </a:r>
+          </a:p>
+          <a:p>
+            <a:r>
+              <a:rPr lang="en-IN" dirty="0"/>
+              <a:t>.</a:t>
+            </a:r>
+          </a:p>
+          <a:p>
+            <a:r>
+              <a:rPr lang="en-IN" dirty="0"/>
+              <a:t>5 * 10 = 50</a:t>
+            </a:r>
+          </a:p>
+        </p:txBody>
+      </p:sp>
+      <p:sp>
+        <p:nvSpPr>
+          <p:cNvPr id="5" name="TextBox 4">
+            <a:extLst>
+              <a:ext uri="{FF2B5EF4-FFF2-40B4-BE49-F238E27FC236}">
+                <a16:creationId xmlns:a16="http://schemas.microsoft.com/office/drawing/2014/main" id="{003F65D1-D8A1-4523-BB6A-BD51ADD9E075}"/>
+              </a:ext>
+            </a:extLst>
+          </p:cNvPr>
+          <p:cNvSpPr txBox="1"/>
+          <p:nvPr/>
+        </p:nvSpPr>
+        <p:spPr>
+          <a:xfrm>
+            <a:off x="2843808" y="5085184"/>
+            <a:ext cx="3456384" cy="646331"/>
+          </a:xfrm>
+          <a:prstGeom prst="rect">
+            <a:avLst/>
+          </a:prstGeom>
+          <a:noFill/>
+        </p:spPr>
+        <p:txBody>
+          <a:bodyPr wrap="square" rtlCol="0">
+            <a:spAutoFit/>
+          </a:bodyPr>
+          <a:lstStyle/>
+          <a:p>
+            <a:r>
+              <a:rPr lang="en-IN" dirty="0"/>
+              <a:t>Print out all the multiples of 7 less than 231</a:t>
             </a:r>
           </a:p>
         </p:txBody>
@@ -7297,7 +7126,7 @@
     </p:spTree>
     <p:extLst>
       <p:ext uri="{BB962C8B-B14F-4D97-AF65-F5344CB8AC3E}">
-        <p14:creationId xmlns:p14="http://schemas.microsoft.com/office/powerpoint/2010/main" val="1359223015"/>
+        <p14:creationId xmlns:p14="http://schemas.microsoft.com/office/powerpoint/2010/main" val="1083086404"/>
       </p:ext>
     </p:extLst>
   </p:cSld>
